--- a/MySQL实战/08事务到底是隔离的还是不隔离的？.pptx
+++ b/MySQL实战/08事务到底是隔离的还是不隔离的？.pptx
@@ -205,7 +205,7 @@
           <a:p>
             <a:fld id="{A900F2CD-AD8F-46FC-AAAB-A0D218D6826F}" type="datetimeFigureOut">
               <a:rPr lang="zh-CN" altLang="en-US" smtClean="0"/>
-              <a:t>2019/5/13</a:t>
+              <a:t>2020/1/19</a:t>
             </a:fld>
             <a:endParaRPr lang="zh-CN" altLang="en-US"/>
           </a:p>
@@ -1079,7 +1079,7 @@
           <a:p>
             <a:fld id="{E396512D-F96B-4538-B91A-F7EB57A489A0}" type="datetimeFigureOut">
               <a:rPr lang="zh-CN" altLang="en-US" smtClean="0"/>
-              <a:t>2019/5/13</a:t>
+              <a:t>2020/1/19</a:t>
             </a:fld>
             <a:endParaRPr lang="zh-CN" altLang="en-US"/>
           </a:p>
@@ -1354,7 +1354,7 @@
           <a:p>
             <a:fld id="{E396512D-F96B-4538-B91A-F7EB57A489A0}" type="datetimeFigureOut">
               <a:rPr lang="zh-CN" altLang="en-US" smtClean="0"/>
-              <a:t>2019/5/13</a:t>
+              <a:t>2020/1/19</a:t>
             </a:fld>
             <a:endParaRPr lang="zh-CN" altLang="en-US"/>
           </a:p>
@@ -1548,7 +1548,7 @@
           <a:p>
             <a:fld id="{E396512D-F96B-4538-B91A-F7EB57A489A0}" type="datetimeFigureOut">
               <a:rPr lang="zh-CN" altLang="en-US" smtClean="0"/>
-              <a:t>2019/5/13</a:t>
+              <a:t>2020/1/19</a:t>
             </a:fld>
             <a:endParaRPr lang="zh-CN" altLang="en-US"/>
           </a:p>
@@ -1821,7 +1821,7 @@
           <a:p>
             <a:fld id="{E396512D-F96B-4538-B91A-F7EB57A489A0}" type="datetimeFigureOut">
               <a:rPr lang="zh-CN" altLang="en-US" smtClean="0"/>
-              <a:t>2019/5/13</a:t>
+              <a:t>2020/1/19</a:t>
             </a:fld>
             <a:endParaRPr lang="zh-CN" altLang="en-US"/>
           </a:p>
@@ -2162,7 +2162,7 @@
           <a:p>
             <a:fld id="{E396512D-F96B-4538-B91A-F7EB57A489A0}" type="datetimeFigureOut">
               <a:rPr lang="zh-CN" altLang="en-US" smtClean="0"/>
-              <a:t>2019/5/13</a:t>
+              <a:t>2020/1/19</a:t>
             </a:fld>
             <a:endParaRPr lang="zh-CN" altLang="en-US"/>
           </a:p>
@@ -2785,7 +2785,7 @@
           <a:p>
             <a:fld id="{E396512D-F96B-4538-B91A-F7EB57A489A0}" type="datetimeFigureOut">
               <a:rPr lang="zh-CN" altLang="en-US" smtClean="0"/>
-              <a:t>2019/5/13</a:t>
+              <a:t>2020/1/19</a:t>
             </a:fld>
             <a:endParaRPr lang="zh-CN" altLang="en-US"/>
           </a:p>
@@ -3645,7 +3645,7 @@
           <a:p>
             <a:fld id="{E396512D-F96B-4538-B91A-F7EB57A489A0}" type="datetimeFigureOut">
               <a:rPr lang="zh-CN" altLang="en-US" smtClean="0"/>
-              <a:t>2019/5/13</a:t>
+              <a:t>2020/1/19</a:t>
             </a:fld>
             <a:endParaRPr lang="zh-CN" altLang="en-US"/>
           </a:p>
@@ -3815,7 +3815,7 @@
           <a:p>
             <a:fld id="{E396512D-F96B-4538-B91A-F7EB57A489A0}" type="datetimeFigureOut">
               <a:rPr lang="zh-CN" altLang="en-US" smtClean="0"/>
-              <a:t>2019/5/13</a:t>
+              <a:t>2020/1/19</a:t>
             </a:fld>
             <a:endParaRPr lang="zh-CN" altLang="en-US"/>
           </a:p>
@@ -3995,7 +3995,7 @@
           <a:p>
             <a:fld id="{E396512D-F96B-4538-B91A-F7EB57A489A0}" type="datetimeFigureOut">
               <a:rPr lang="zh-CN" altLang="en-US" smtClean="0"/>
-              <a:t>2019/5/13</a:t>
+              <a:t>2020/1/19</a:t>
             </a:fld>
             <a:endParaRPr lang="zh-CN" altLang="en-US"/>
           </a:p>
@@ -4165,7 +4165,7 @@
           <a:p>
             <a:fld id="{E396512D-F96B-4538-B91A-F7EB57A489A0}" type="datetimeFigureOut">
               <a:rPr lang="zh-CN" altLang="en-US" smtClean="0"/>
-              <a:t>2019/5/13</a:t>
+              <a:t>2020/1/19</a:t>
             </a:fld>
             <a:endParaRPr lang="zh-CN" altLang="en-US"/>
           </a:p>
@@ -4412,7 +4412,7 @@
           <a:p>
             <a:fld id="{E396512D-F96B-4538-B91A-F7EB57A489A0}" type="datetimeFigureOut">
               <a:rPr lang="zh-CN" altLang="en-US" smtClean="0"/>
-              <a:t>2019/5/13</a:t>
+              <a:t>2020/1/19</a:t>
             </a:fld>
             <a:endParaRPr lang="zh-CN" altLang="en-US"/>
           </a:p>
@@ -4704,7 +4704,7 @@
           <a:p>
             <a:fld id="{E396512D-F96B-4538-B91A-F7EB57A489A0}" type="datetimeFigureOut">
               <a:rPr lang="zh-CN" altLang="en-US" smtClean="0"/>
-              <a:t>2019/5/13</a:t>
+              <a:t>2020/1/19</a:t>
             </a:fld>
             <a:endParaRPr lang="zh-CN" altLang="en-US"/>
           </a:p>
@@ -5148,7 +5148,7 @@
           <a:p>
             <a:fld id="{E396512D-F96B-4538-B91A-F7EB57A489A0}" type="datetimeFigureOut">
               <a:rPr lang="zh-CN" altLang="en-US" smtClean="0"/>
-              <a:t>2019/5/13</a:t>
+              <a:t>2020/1/19</a:t>
             </a:fld>
             <a:endParaRPr lang="zh-CN" altLang="en-US"/>
           </a:p>
@@ -5266,7 +5266,7 @@
           <a:p>
             <a:fld id="{E396512D-F96B-4538-B91A-F7EB57A489A0}" type="datetimeFigureOut">
               <a:rPr lang="zh-CN" altLang="en-US" smtClean="0"/>
-              <a:t>2019/5/13</a:t>
+              <a:t>2020/1/19</a:t>
             </a:fld>
             <a:endParaRPr lang="zh-CN" altLang="en-US"/>
           </a:p>
@@ -5361,7 +5361,7 @@
           <a:p>
             <a:fld id="{E396512D-F96B-4538-B91A-F7EB57A489A0}" type="datetimeFigureOut">
               <a:rPr lang="zh-CN" altLang="en-US" smtClean="0"/>
-              <a:t>2019/5/13</a:t>
+              <a:t>2020/1/19</a:t>
             </a:fld>
             <a:endParaRPr lang="zh-CN" altLang="en-US"/>
           </a:p>
@@ -5640,7 +5640,7 @@
           <a:p>
             <a:fld id="{E396512D-F96B-4538-B91A-F7EB57A489A0}" type="datetimeFigureOut">
               <a:rPr lang="zh-CN" altLang="en-US" smtClean="0"/>
-              <a:t>2019/5/13</a:t>
+              <a:t>2020/1/19</a:t>
             </a:fld>
             <a:endParaRPr lang="zh-CN" altLang="en-US"/>
           </a:p>
@@ -5915,7 +5915,7 @@
           <a:p>
             <a:fld id="{E396512D-F96B-4538-B91A-F7EB57A489A0}" type="datetimeFigureOut">
               <a:rPr lang="zh-CN" altLang="en-US" smtClean="0"/>
-              <a:t>2019/5/13</a:t>
+              <a:t>2020/1/19</a:t>
             </a:fld>
             <a:endParaRPr lang="zh-CN" altLang="en-US"/>
           </a:p>
@@ -6344,7 +6344,7 @@
           <a:p>
             <a:fld id="{E396512D-F96B-4538-B91A-F7EB57A489A0}" type="datetimeFigureOut">
               <a:rPr lang="zh-CN" altLang="en-US" smtClean="0"/>
-              <a:t>2019/5/13</a:t>
+              <a:t>2020/1/19</a:t>
             </a:fld>
             <a:endParaRPr lang="zh-CN" altLang="en-US"/>
           </a:p>
@@ -9795,8 +9795,8 @@
         </p:nvSpPr>
         <p:spPr>
           <a:xfrm flipH="1">
-            <a:off x="6588648" y="4422101"/>
-            <a:ext cx="802467" cy="719742"/>
+            <a:off x="6626398" y="4210227"/>
+            <a:ext cx="802467" cy="804008"/>
           </a:xfrm>
           <a:prstGeom prst="leftBrace">
             <a:avLst>
@@ -10029,8 +10029,8 @@
         </p:nvSpPr>
         <p:spPr>
           <a:xfrm flipH="1">
-            <a:off x="6526334" y="5228365"/>
-            <a:ext cx="927096" cy="499335"/>
+            <a:off x="6564083" y="5154108"/>
+            <a:ext cx="927096" cy="597669"/>
           </a:xfrm>
           <a:prstGeom prst="leftBrace">
             <a:avLst>
@@ -16208,17 +16208,7 @@
                 <a:latin typeface="微软雅黑" panose="020B0503020204020204" pitchFamily="34" charset="-122"/>
                 <a:ea typeface="微软雅黑" panose="020B0503020204020204" pitchFamily="34" charset="-122"/>
               </a:rPr>
-              <a:t>版本</a:t>
-            </a:r>
-            <a:r>
-              <a:rPr lang="zh-CN" altLang="en-US" sz="1400" dirty="0" smtClean="0">
-                <a:solidFill>
-                  <a:srgbClr val="92D050"/>
-                </a:solidFill>
-                <a:latin typeface="微软雅黑" panose="020B0503020204020204" pitchFamily="34" charset="-122"/>
-                <a:ea typeface="微软雅黑" panose="020B0503020204020204" pitchFamily="34" charset="-122"/>
-              </a:rPr>
-              <a:t>已提交，但是是在视图创建后提交的，不可见。</a:t>
+              <a:t>版本已提交，但是是在视图创建后提交的，不可见。</a:t>
             </a:r>
             <a:endParaRPr lang="en-US" altLang="zh-CN" sz="1400" dirty="0" smtClean="0">
               <a:solidFill>

--- a/MySQL实战/08事务到底是隔离的还是不隔离的？.pptx
+++ b/MySQL实战/08事务到底是隔离的还是不隔离的？.pptx
@@ -205,7 +205,7 @@
           <a:p>
             <a:fld id="{A900F2CD-AD8F-46FC-AAAB-A0D218D6826F}" type="datetimeFigureOut">
               <a:rPr lang="zh-CN" altLang="en-US" smtClean="0"/>
-              <a:t>2020/1/19</a:t>
+              <a:t>2020/3/26</a:t>
             </a:fld>
             <a:endParaRPr lang="zh-CN" altLang="en-US"/>
           </a:p>
@@ -1079,7 +1079,7 @@
           <a:p>
             <a:fld id="{E396512D-F96B-4538-B91A-F7EB57A489A0}" type="datetimeFigureOut">
               <a:rPr lang="zh-CN" altLang="en-US" smtClean="0"/>
-              <a:t>2020/1/19</a:t>
+              <a:t>2020/3/26</a:t>
             </a:fld>
             <a:endParaRPr lang="zh-CN" altLang="en-US"/>
           </a:p>
@@ -1354,7 +1354,7 @@
           <a:p>
             <a:fld id="{E396512D-F96B-4538-B91A-F7EB57A489A0}" type="datetimeFigureOut">
               <a:rPr lang="zh-CN" altLang="en-US" smtClean="0"/>
-              <a:t>2020/1/19</a:t>
+              <a:t>2020/3/26</a:t>
             </a:fld>
             <a:endParaRPr lang="zh-CN" altLang="en-US"/>
           </a:p>
@@ -1548,7 +1548,7 @@
           <a:p>
             <a:fld id="{E396512D-F96B-4538-B91A-F7EB57A489A0}" type="datetimeFigureOut">
               <a:rPr lang="zh-CN" altLang="en-US" smtClean="0"/>
-              <a:t>2020/1/19</a:t>
+              <a:t>2020/3/26</a:t>
             </a:fld>
             <a:endParaRPr lang="zh-CN" altLang="en-US"/>
           </a:p>
@@ -1821,7 +1821,7 @@
           <a:p>
             <a:fld id="{E396512D-F96B-4538-B91A-F7EB57A489A0}" type="datetimeFigureOut">
               <a:rPr lang="zh-CN" altLang="en-US" smtClean="0"/>
-              <a:t>2020/1/19</a:t>
+              <a:t>2020/3/26</a:t>
             </a:fld>
             <a:endParaRPr lang="zh-CN" altLang="en-US"/>
           </a:p>
@@ -2162,7 +2162,7 @@
           <a:p>
             <a:fld id="{E396512D-F96B-4538-B91A-F7EB57A489A0}" type="datetimeFigureOut">
               <a:rPr lang="zh-CN" altLang="en-US" smtClean="0"/>
-              <a:t>2020/1/19</a:t>
+              <a:t>2020/3/26</a:t>
             </a:fld>
             <a:endParaRPr lang="zh-CN" altLang="en-US"/>
           </a:p>
@@ -2785,7 +2785,7 @@
           <a:p>
             <a:fld id="{E396512D-F96B-4538-B91A-F7EB57A489A0}" type="datetimeFigureOut">
               <a:rPr lang="zh-CN" altLang="en-US" smtClean="0"/>
-              <a:t>2020/1/19</a:t>
+              <a:t>2020/3/26</a:t>
             </a:fld>
             <a:endParaRPr lang="zh-CN" altLang="en-US"/>
           </a:p>
@@ -3645,7 +3645,7 @@
           <a:p>
             <a:fld id="{E396512D-F96B-4538-B91A-F7EB57A489A0}" type="datetimeFigureOut">
               <a:rPr lang="zh-CN" altLang="en-US" smtClean="0"/>
-              <a:t>2020/1/19</a:t>
+              <a:t>2020/3/26</a:t>
             </a:fld>
             <a:endParaRPr lang="zh-CN" altLang="en-US"/>
           </a:p>
@@ -3815,7 +3815,7 @@
           <a:p>
             <a:fld id="{E396512D-F96B-4538-B91A-F7EB57A489A0}" type="datetimeFigureOut">
               <a:rPr lang="zh-CN" altLang="en-US" smtClean="0"/>
-              <a:t>2020/1/19</a:t>
+              <a:t>2020/3/26</a:t>
             </a:fld>
             <a:endParaRPr lang="zh-CN" altLang="en-US"/>
           </a:p>
@@ -3995,7 +3995,7 @@
           <a:p>
             <a:fld id="{E396512D-F96B-4538-B91A-F7EB57A489A0}" type="datetimeFigureOut">
               <a:rPr lang="zh-CN" altLang="en-US" smtClean="0"/>
-              <a:t>2020/1/19</a:t>
+              <a:t>2020/3/26</a:t>
             </a:fld>
             <a:endParaRPr lang="zh-CN" altLang="en-US"/>
           </a:p>
@@ -4165,7 +4165,7 @@
           <a:p>
             <a:fld id="{E396512D-F96B-4538-B91A-F7EB57A489A0}" type="datetimeFigureOut">
               <a:rPr lang="zh-CN" altLang="en-US" smtClean="0"/>
-              <a:t>2020/1/19</a:t>
+              <a:t>2020/3/26</a:t>
             </a:fld>
             <a:endParaRPr lang="zh-CN" altLang="en-US"/>
           </a:p>
@@ -4412,7 +4412,7 @@
           <a:p>
             <a:fld id="{E396512D-F96B-4538-B91A-F7EB57A489A0}" type="datetimeFigureOut">
               <a:rPr lang="zh-CN" altLang="en-US" smtClean="0"/>
-              <a:t>2020/1/19</a:t>
+              <a:t>2020/3/26</a:t>
             </a:fld>
             <a:endParaRPr lang="zh-CN" altLang="en-US"/>
           </a:p>
@@ -4704,7 +4704,7 @@
           <a:p>
             <a:fld id="{E396512D-F96B-4538-B91A-F7EB57A489A0}" type="datetimeFigureOut">
               <a:rPr lang="zh-CN" altLang="en-US" smtClean="0"/>
-              <a:t>2020/1/19</a:t>
+              <a:t>2020/3/26</a:t>
             </a:fld>
             <a:endParaRPr lang="zh-CN" altLang="en-US"/>
           </a:p>
@@ -5148,7 +5148,7 @@
           <a:p>
             <a:fld id="{E396512D-F96B-4538-B91A-F7EB57A489A0}" type="datetimeFigureOut">
               <a:rPr lang="zh-CN" altLang="en-US" smtClean="0"/>
-              <a:t>2020/1/19</a:t>
+              <a:t>2020/3/26</a:t>
             </a:fld>
             <a:endParaRPr lang="zh-CN" altLang="en-US"/>
           </a:p>
@@ -5266,7 +5266,7 @@
           <a:p>
             <a:fld id="{E396512D-F96B-4538-B91A-F7EB57A489A0}" type="datetimeFigureOut">
               <a:rPr lang="zh-CN" altLang="en-US" smtClean="0"/>
-              <a:t>2020/1/19</a:t>
+              <a:t>2020/3/26</a:t>
             </a:fld>
             <a:endParaRPr lang="zh-CN" altLang="en-US"/>
           </a:p>
@@ -5361,7 +5361,7 @@
           <a:p>
             <a:fld id="{E396512D-F96B-4538-B91A-F7EB57A489A0}" type="datetimeFigureOut">
               <a:rPr lang="zh-CN" altLang="en-US" smtClean="0"/>
-              <a:t>2020/1/19</a:t>
+              <a:t>2020/3/26</a:t>
             </a:fld>
             <a:endParaRPr lang="zh-CN" altLang="en-US"/>
           </a:p>
@@ -5640,7 +5640,7 @@
           <a:p>
             <a:fld id="{E396512D-F96B-4538-B91A-F7EB57A489A0}" type="datetimeFigureOut">
               <a:rPr lang="zh-CN" altLang="en-US" smtClean="0"/>
-              <a:t>2020/1/19</a:t>
+              <a:t>2020/3/26</a:t>
             </a:fld>
             <a:endParaRPr lang="zh-CN" altLang="en-US"/>
           </a:p>
@@ -5915,7 +5915,7 @@
           <a:p>
             <a:fld id="{E396512D-F96B-4538-B91A-F7EB57A489A0}" type="datetimeFigureOut">
               <a:rPr lang="zh-CN" altLang="en-US" smtClean="0"/>
-              <a:t>2020/1/19</a:t>
+              <a:t>2020/3/26</a:t>
             </a:fld>
             <a:endParaRPr lang="zh-CN" altLang="en-US"/>
           </a:p>
@@ -6344,7 +6344,7 @@
           <a:p>
             <a:fld id="{E396512D-F96B-4538-B91A-F7EB57A489A0}" type="datetimeFigureOut">
               <a:rPr lang="zh-CN" altLang="en-US" smtClean="0"/>
-              <a:t>2020/1/19</a:t>
+              <a:t>2020/3/26</a:t>
             </a:fld>
             <a:endParaRPr lang="zh-CN" altLang="en-US"/>
           </a:p>
@@ -11704,7 +11704,42 @@
                 <a:latin typeface="微软雅黑" panose="020B0503020204020204" pitchFamily="34" charset="-122"/>
                 <a:ea typeface="微软雅黑" panose="020B0503020204020204" pitchFamily="34" charset="-122"/>
               </a:rPr>
-              <a:t>同时，旧的数据版本要保留，并且在新的数据版本中，能够有信息可以直接拿到它。</a:t>
+              <a:t>同时，旧的数据版本要保留，并且在新的数据版本中，能够有信息可以直接拿到</a:t>
+            </a:r>
+            <a:r>
+              <a:rPr lang="zh-CN" altLang="en-US" sz="1200" dirty="0" smtClean="0">
+                <a:latin typeface="微软雅黑" panose="020B0503020204020204" pitchFamily="34" charset="-122"/>
+                <a:ea typeface="微软雅黑" panose="020B0503020204020204" pitchFamily="34" charset="-122"/>
+              </a:rPr>
+              <a:t>它</a:t>
+            </a:r>
+            <a:r>
+              <a:rPr lang="zh-CN" altLang="en-US" sz="1200" dirty="0" smtClean="0">
+                <a:latin typeface="微软雅黑" panose="020B0503020204020204" pitchFamily="34" charset="-122"/>
+                <a:ea typeface="微软雅黑" panose="020B0503020204020204" pitchFamily="34" charset="-122"/>
+              </a:rPr>
+              <a:t>（其实就是用</a:t>
+            </a:r>
+            <a:r>
+              <a:rPr lang="en-US" altLang="zh-CN" sz="1200" dirty="0" err="1" smtClean="0">
+                <a:latin typeface="微软雅黑" panose="020B0503020204020204" pitchFamily="34" charset="-122"/>
+                <a:ea typeface="微软雅黑" panose="020B0503020204020204" pitchFamily="34" charset="-122"/>
+              </a:rPr>
+              <a:t>undolog</a:t>
+            </a:r>
+            <a:r>
+              <a:rPr lang="zh-CN" altLang="en-US" sz="1200" dirty="0" smtClean="0">
+                <a:latin typeface="微软雅黑" panose="020B0503020204020204" pitchFamily="34" charset="-122"/>
+                <a:ea typeface="微软雅黑" panose="020B0503020204020204" pitchFamily="34" charset="-122"/>
+              </a:rPr>
+              <a:t>来推算出旧的数据版本）</a:t>
+            </a:r>
+            <a:r>
+              <a:rPr lang="zh-CN" altLang="en-US" sz="1200" dirty="0" smtClean="0">
+                <a:latin typeface="微软雅黑" panose="020B0503020204020204" pitchFamily="34" charset="-122"/>
+                <a:ea typeface="微软雅黑" panose="020B0503020204020204" pitchFamily="34" charset="-122"/>
+              </a:rPr>
+              <a:t>。</a:t>
             </a:r>
             <a:endParaRPr lang="en-US" altLang="zh-CN" sz="1200" dirty="0">
               <a:latin typeface="微软雅黑" panose="020B0503020204020204" pitchFamily="34" charset="-122"/>
@@ -20087,7 +20122,28 @@
                 <a:latin typeface="微软雅黑" panose="020B0503020204020204" pitchFamily="34" charset="-122"/>
                 <a:ea typeface="微软雅黑" panose="020B0503020204020204" pitchFamily="34" charset="-122"/>
               </a:rPr>
-              <a:t>修改并提交，是的没有</a:t>
+              <a:t>修改并提交</a:t>
+            </a:r>
+            <a:r>
+              <a:rPr lang="zh-CN" altLang="en-US" sz="1200" dirty="0" smtClean="0">
+                <a:latin typeface="微软雅黑" panose="020B0503020204020204" pitchFamily="34" charset="-122"/>
+                <a:ea typeface="微软雅黑" panose="020B0503020204020204" pitchFamily="34" charset="-122"/>
+              </a:rPr>
+              <a:t>，</a:t>
+            </a:r>
+            <a:r>
+              <a:rPr lang="zh-CN" altLang="en-US" sz="1200" dirty="0">
+                <a:latin typeface="微软雅黑" panose="020B0503020204020204" pitchFamily="34" charset="-122"/>
+                <a:ea typeface="微软雅黑" panose="020B0503020204020204" pitchFamily="34" charset="-122"/>
+              </a:rPr>
+              <a:t>使得</a:t>
+            </a:r>
+            <a:r>
+              <a:rPr lang="zh-CN" altLang="en-US" sz="1200" dirty="0" smtClean="0">
+                <a:latin typeface="微软雅黑" panose="020B0503020204020204" pitchFamily="34" charset="-122"/>
+                <a:ea typeface="微软雅黑" panose="020B0503020204020204" pitchFamily="34" charset="-122"/>
+              </a:rPr>
+              <a:t>没有</a:t>
             </a:r>
             <a:r>
               <a:rPr lang="en-US" altLang="zh-CN" sz="1200" dirty="0" smtClean="0">
